--- a/PUM2/Wyk/Wyklad1.pptx
+++ b/PUM2/Wyk/Wyklad1.pptx
@@ -306,7 +306,7 @@
           <a:p>
             <a:fld id="{5113504E-0C99-2340-A5F6-DD6E1A87C372}" type="datetimeFigureOut">
               <a:rPr lang="pl-PL" smtClean="0"/>
-              <a:t>1.10.2025</a:t>
+              <a:t>2.10.2025</a:t>
             </a:fld>
             <a:endParaRPr lang="pl-PL"/>
           </a:p>
@@ -472,7 +472,7 @@
           <a:p>
             <a:fld id="{F78C933E-44E9-2D43-91B0-0D2BEEFA7EB9}" type="datetimeFigureOut">
               <a:rPr lang="pl-PL" smtClean="0"/>
-              <a:t>1.10.2025</a:t>
+              <a:t>2.10.2025</a:t>
             </a:fld>
             <a:endParaRPr lang="pl-PL"/>
           </a:p>
@@ -4705,7 +4705,7 @@
           <a:p>
             <a:fld id="{91017B01-0C30-B241-B19F-621BE4770608}" type="datetimeFigureOut">
               <a:rPr lang="pl-PL" smtClean="0"/>
-              <a:t>1.10.2025</a:t>
+              <a:t>2.10.2025</a:t>
             </a:fld>
             <a:endParaRPr lang="pl-PL"/>
           </a:p>
@@ -4874,7 +4874,7 @@
           <a:p>
             <a:fld id="{91017B01-0C30-B241-B19F-621BE4770608}" type="datetimeFigureOut">
               <a:rPr lang="pl-PL" smtClean="0"/>
-              <a:t>1.10.2025</a:t>
+              <a:t>2.10.2025</a:t>
             </a:fld>
             <a:endParaRPr lang="pl-PL"/>
           </a:p>
@@ -5053,7 +5053,7 @@
           <a:p>
             <a:fld id="{91017B01-0C30-B241-B19F-621BE4770608}" type="datetimeFigureOut">
               <a:rPr lang="pl-PL" smtClean="0"/>
-              <a:t>1.10.2025</a:t>
+              <a:t>2.10.2025</a:t>
             </a:fld>
             <a:endParaRPr lang="pl-PL"/>
           </a:p>
@@ -5222,7 +5222,7 @@
           <a:p>
             <a:fld id="{91017B01-0C30-B241-B19F-621BE4770608}" type="datetimeFigureOut">
               <a:rPr lang="pl-PL" smtClean="0"/>
-              <a:t>1.10.2025</a:t>
+              <a:t>2.10.2025</a:t>
             </a:fld>
             <a:endParaRPr lang="pl-PL"/>
           </a:p>
@@ -5468,7 +5468,7 @@
           <a:p>
             <a:fld id="{91017B01-0C30-B241-B19F-621BE4770608}" type="datetimeFigureOut">
               <a:rPr lang="pl-PL" smtClean="0"/>
-              <a:t>1.10.2025</a:t>
+              <a:t>2.10.2025</a:t>
             </a:fld>
             <a:endParaRPr lang="pl-PL"/>
           </a:p>
@@ -5754,7 +5754,7 @@
           <a:p>
             <a:fld id="{91017B01-0C30-B241-B19F-621BE4770608}" type="datetimeFigureOut">
               <a:rPr lang="pl-PL" smtClean="0"/>
-              <a:t>1.10.2025</a:t>
+              <a:t>2.10.2025</a:t>
             </a:fld>
             <a:endParaRPr lang="pl-PL"/>
           </a:p>
@@ -6174,7 +6174,7 @@
           <a:p>
             <a:fld id="{91017B01-0C30-B241-B19F-621BE4770608}" type="datetimeFigureOut">
               <a:rPr lang="pl-PL" smtClean="0"/>
-              <a:t>1.10.2025</a:t>
+              <a:t>2.10.2025</a:t>
             </a:fld>
             <a:endParaRPr lang="pl-PL"/>
           </a:p>
@@ -6292,7 +6292,7 @@
           <a:p>
             <a:fld id="{91017B01-0C30-B241-B19F-621BE4770608}" type="datetimeFigureOut">
               <a:rPr lang="pl-PL" smtClean="0"/>
-              <a:t>1.10.2025</a:t>
+              <a:t>2.10.2025</a:t>
             </a:fld>
             <a:endParaRPr lang="pl-PL"/>
           </a:p>
@@ -6388,7 +6388,7 @@
           <a:p>
             <a:fld id="{91017B01-0C30-B241-B19F-621BE4770608}" type="datetimeFigureOut">
               <a:rPr lang="pl-PL" smtClean="0"/>
-              <a:t>1.10.2025</a:t>
+              <a:t>2.10.2025</a:t>
             </a:fld>
             <a:endParaRPr lang="pl-PL"/>
           </a:p>
@@ -6665,7 +6665,7 @@
           <a:p>
             <a:fld id="{91017B01-0C30-B241-B19F-621BE4770608}" type="datetimeFigureOut">
               <a:rPr lang="pl-PL" smtClean="0"/>
-              <a:t>1.10.2025</a:t>
+              <a:t>2.10.2025</a:t>
             </a:fld>
             <a:endParaRPr lang="pl-PL"/>
           </a:p>
@@ -6921,7 +6921,7 @@
           <a:p>
             <a:fld id="{91017B01-0C30-B241-B19F-621BE4770608}" type="datetimeFigureOut">
               <a:rPr lang="pl-PL" smtClean="0"/>
-              <a:t>1.10.2025</a:t>
+              <a:t>2.10.2025</a:t>
             </a:fld>
             <a:endParaRPr lang="pl-PL"/>
           </a:p>
@@ -7133,7 +7133,7 @@
           <a:p>
             <a:fld id="{91017B01-0C30-B241-B19F-621BE4770608}" type="datetimeFigureOut">
               <a:rPr lang="pl-PL" smtClean="0"/>
-              <a:t>1.10.2025</a:t>
+              <a:t>2.10.2025</a:t>
             </a:fld>
             <a:endParaRPr lang="pl-PL"/>
           </a:p>
@@ -22693,8 +22693,29 @@
                 <a:ea typeface="OpenSymbol"/>
                 <a:cs typeface="Verdana, Verdana"/>
               </a:rPr>
-              <a:t>.</a:t>
-            </a:r>
+              <a:t>. </a:t>
+            </a:r>
+            <a:r>
+              <a:rPr lang="pl-PL" sz="2000" b="1" kern="150">
+                <a:solidFill>
+                  <a:schemeClr val="tx1"/>
+                </a:solidFill>
+                <a:effectLst/>
+                <a:latin typeface="+mj-lt"/>
+                <a:ea typeface="OpenSymbol"/>
+                <a:cs typeface="Verdana, Verdana"/>
+              </a:rPr>
+              <a:t>Wątek główny.</a:t>
+            </a:r>
+            <a:endParaRPr lang="pl-PL" sz="2000" b="1" kern="150" dirty="0">
+              <a:solidFill>
+                <a:schemeClr val="tx1"/>
+              </a:solidFill>
+              <a:effectLst/>
+              <a:latin typeface="+mj-lt"/>
+              <a:ea typeface="OpenSymbol"/>
+              <a:cs typeface="Verdana, Verdana"/>
+            </a:endParaRPr>
           </a:p>
           <a:p>
             <a:pPr marL="342900" lvl="0" indent="-342900" algn="just">
@@ -22727,7 +22748,7 @@
                 <a:ea typeface="OpenSymbol"/>
                 <a:cs typeface="OpenSymbol"/>
               </a:rPr>
-              <a:t>.</a:t>
+              <a:t>. Współbieżność, Równoległość, Asynchroniczność.</a:t>
             </a:r>
           </a:p>
           <a:p>

--- a/PUM2/Wyk/Wyklad1.pptx
+++ b/PUM2/Wyk/Wyklad1.pptx
@@ -7711,7 +7711,7 @@
                   <a:schemeClr val="bg1"/>
                 </a:solidFill>
               </a:rPr>
-              <a:t>JETPACK NAVIGATION 3</a:t>
+              <a:t>COMPOSE NAVIGATION</a:t>
             </a:r>
           </a:p>
         </p:txBody>
